--- a/PPT/Design Pattern 6 - SIngleton Pattern.pptx
+++ b/PPT/Design Pattern 6 - SIngleton Pattern.pptx
@@ -8,9 +8,10 @@
     <p:sldId id="256" r:id="rId2"/>
     <p:sldId id="257" r:id="rId3"/>
     <p:sldId id="258" r:id="rId4"/>
-    <p:sldId id="259" r:id="rId5"/>
-    <p:sldId id="260" r:id="rId6"/>
-    <p:sldId id="261" r:id="rId7"/>
+    <p:sldId id="262" r:id="rId5"/>
+    <p:sldId id="259" r:id="rId6"/>
+    <p:sldId id="260" r:id="rId7"/>
+    <p:sldId id="261" r:id="rId8"/>
   </p:sldIdLst>
   <p:sldSz cx="12192000" cy="6858000"/>
   <p:notesSz cx="6858000" cy="9144000"/>
@@ -269,7 +270,7 @@
           <a:p>
             <a:fld id="{6AD6EE87-EBD5-4F12-A48A-63ACA297AC8F}" type="datetimeFigureOut">
               <a:rPr lang="en-US" dirty="0"/>
-              <a:t>2/26/2017</a:t>
+              <a:t>9/12/2017</a:t>
             </a:fld>
             <a:endParaRPr lang="en-US" dirty="0"/>
           </a:p>
@@ -517,7 +518,7 @@
           <a:p>
             <a:fld id="{4CD73815-2707-4475-8F1A-B873CB631BB4}" type="datetimeFigureOut">
               <a:rPr lang="en-US" dirty="0"/>
-              <a:t>2/26/2017</a:t>
+              <a:t>9/12/2017</a:t>
             </a:fld>
             <a:endParaRPr lang="en-US" dirty="0"/>
           </a:p>
@@ -692,7 +693,7 @@
           <a:p>
             <a:fld id="{2A4AFB99-0EAB-4182-AFF8-E214C82A68F6}" type="datetimeFigureOut">
               <a:rPr lang="en-US" dirty="0"/>
-              <a:t>2/26/2017</a:t>
+              <a:t>9/12/2017</a:t>
             </a:fld>
             <a:endParaRPr lang="en-US" dirty="0"/>
           </a:p>
@@ -892,7 +893,7 @@
           <a:p>
             <a:fld id="{A5D3794B-289A-4A80-97D7-111025398D45}" type="datetimeFigureOut">
               <a:rPr lang="en-US" dirty="0"/>
-              <a:t>2/26/2017</a:t>
+              <a:t>9/12/2017</a:t>
             </a:fld>
             <a:endParaRPr lang="en-US" dirty="0"/>
           </a:p>
@@ -1144,7 +1145,7 @@
           <a:p>
             <a:fld id="{5A61015F-7CC6-4D0A-9D87-873EA4C304CC}" type="datetimeFigureOut">
               <a:rPr lang="en-US" dirty="0"/>
-              <a:t>2/26/2017</a:t>
+              <a:t>9/12/2017</a:t>
             </a:fld>
             <a:endParaRPr lang="en-US" dirty="0"/>
           </a:p>
@@ -1459,7 +1460,7 @@
           <a:p>
             <a:fld id="{93C6A301-0538-44EC-B09D-202E1042A48B}" type="datetimeFigureOut">
               <a:rPr lang="en-US" dirty="0"/>
-              <a:t>2/26/2017</a:t>
+              <a:t>9/12/2017</a:t>
             </a:fld>
             <a:endParaRPr lang="en-US" dirty="0"/>
           </a:p>
@@ -1852,7 +1853,7 @@
           <a:p>
             <a:fld id="{D789574A-8875-45EF-8EA2-3CAA0F7ABC4C}" type="datetimeFigureOut">
               <a:rPr lang="en-US" dirty="0"/>
-              <a:t>2/26/2017</a:t>
+              <a:t>9/12/2017</a:t>
             </a:fld>
             <a:endParaRPr lang="en-US" dirty="0"/>
           </a:p>
@@ -1965,7 +1966,7 @@
           <a:p>
             <a:fld id="{67EF4D4C-5367-4C26-9E2B-D8088D7FCA81}" type="datetimeFigureOut">
               <a:rPr lang="en-US" dirty="0"/>
-              <a:t>2/26/2017</a:t>
+              <a:t>9/12/2017</a:t>
             </a:fld>
             <a:endParaRPr lang="en-US" dirty="0"/>
           </a:p>
@@ -2055,7 +2056,7 @@
           <a:p>
             <a:fld id="{56E91E96-98B0-4413-9547-46F3504108EF}" type="datetimeFigureOut">
               <a:rPr lang="en-US" dirty="0"/>
-              <a:t>2/26/2017</a:t>
+              <a:t>9/12/2017</a:t>
             </a:fld>
             <a:endParaRPr lang="en-US" dirty="0"/>
           </a:p>
@@ -2340,7 +2341,7 @@
           <a:p>
             <a:fld id="{05C68B11-C5A8-448C-8CE9-B1A273C79CFC}" type="datetimeFigureOut">
               <a:rPr lang="en-US" dirty="0"/>
-              <a:t>2/26/2017</a:t>
+              <a:t>9/12/2017</a:t>
             </a:fld>
             <a:endParaRPr lang="en-US" dirty="0"/>
           </a:p>
@@ -2615,7 +2616,7 @@
           <a:p>
             <a:fld id="{C7616CA0-919D-4A49-9C8A-62FDFB3A5183}" type="datetimeFigureOut">
               <a:rPr lang="en-US" dirty="0"/>
-              <a:t>2/26/2017</a:t>
+              <a:t>9/12/2017</a:t>
             </a:fld>
             <a:endParaRPr lang="en-US" dirty="0"/>
           </a:p>
@@ -2861,7 +2862,7 @@
             <a:fld id="{90298CD5-6C1E-4009-B41F-6DF62E31D3BE}" type="datetimeFigureOut">
               <a:rPr lang="en-US" dirty="0"/>
               <a:pPr/>
-              <a:t>2/26/2017</a:t>
+              <a:t>9/12/2017</a:t>
             </a:fld>
             <a:endParaRPr lang="en-US" dirty="0"/>
           </a:p>
@@ -3485,22 +3486,14 @@
             <a:pPr algn="ctr"/>
             <a:r>
               <a:rPr lang="id-ID" sz="10000" dirty="0" smtClean="0"/>
-              <a:t>Satu </a:t>
-            </a:r>
+              <a:t>Satu objek</a:t>
+            </a:r>
+          </a:p>
+          <a:p>
+            <a:pPr algn="ctr"/>
             <a:r>
               <a:rPr lang="id-ID" sz="10000" dirty="0" smtClean="0"/>
-              <a:t>objek</a:t>
-            </a:r>
-          </a:p>
-          <a:p>
-            <a:pPr algn="ctr"/>
-            <a:r>
-              <a:rPr lang="id-ID" sz="10000" dirty="0" smtClean="0"/>
-              <a:t>untuk </a:t>
-            </a:r>
-            <a:r>
-              <a:rPr lang="id-ID" sz="10000" dirty="0" smtClean="0"/>
-              <a:t>semua</a:t>
+              <a:t>untuk semua</a:t>
             </a:r>
             <a:endParaRPr lang="id-ID" sz="10000" dirty="0"/>
           </a:p>
@@ -3833,6 +3826,253 @@
       </p:grpSpPr>
       <p:sp>
         <p:nvSpPr>
+          <p:cNvPr id="10" name="Title 9"/>
+          <p:cNvSpPr>
+            <a:spLocks noGrp="1"/>
+          </p:cNvSpPr>
+          <p:nvPr>
+            <p:ph type="title"/>
+          </p:nvPr>
+        </p:nvSpPr>
+        <p:spPr/>
+        <p:txBody>
+          <a:bodyPr/>
+          <a:lstStyle/>
+          <a:p>
+            <a:r>
+              <a:rPr lang="id-ID" dirty="0" smtClean="0"/>
+              <a:t>Struktur Singleton Pattern</a:t>
+            </a:r>
+            <a:endParaRPr lang="id-ID" dirty="0"/>
+          </a:p>
+        </p:txBody>
+      </p:sp>
+      <p:sp>
+        <p:nvSpPr>
+          <p:cNvPr id="4" name="Rectangle 3"/>
+          <p:cNvSpPr/>
+          <p:nvPr/>
+        </p:nvSpPr>
+        <p:spPr>
+          <a:xfrm>
+            <a:off x="4455684" y="2627130"/>
+            <a:ext cx="3274169" cy="1877635"/>
+          </a:xfrm>
+          <a:prstGeom prst="rect">
+            <a:avLst/>
+          </a:prstGeom>
+        </p:spPr>
+        <p:style>
+          <a:lnRef idx="2">
+            <a:schemeClr val="dk1"/>
+          </a:lnRef>
+          <a:fillRef idx="1">
+            <a:schemeClr val="lt1"/>
+          </a:fillRef>
+          <a:effectRef idx="0">
+            <a:schemeClr val="dk1"/>
+          </a:effectRef>
+          <a:fontRef idx="minor">
+            <a:schemeClr val="dk1"/>
+          </a:fontRef>
+        </p:style>
+        <p:txBody>
+          <a:bodyPr rtlCol="0" anchor="ctr"/>
+          <a:lstStyle/>
+          <a:p>
+            <a:pPr algn="ctr"/>
+            <a:endParaRPr lang="id-ID"/>
+          </a:p>
+        </p:txBody>
+      </p:sp>
+      <p:sp>
+        <p:nvSpPr>
+          <p:cNvPr id="5" name="TextBox 4"/>
+          <p:cNvSpPr txBox="1"/>
+          <p:nvPr/>
+        </p:nvSpPr>
+        <p:spPr>
+          <a:xfrm>
+            <a:off x="5402674" y="2613683"/>
+            <a:ext cx="1380186" cy="461665"/>
+          </a:xfrm>
+          <a:prstGeom prst="rect">
+            <a:avLst/>
+          </a:prstGeom>
+          <a:noFill/>
+        </p:spPr>
+        <p:txBody>
+          <a:bodyPr wrap="none" rtlCol="0">
+            <a:spAutoFit/>
+          </a:bodyPr>
+          <a:lstStyle/>
+          <a:p>
+            <a:r>
+              <a:rPr lang="id-ID" sz="2400" b="1" dirty="0" smtClean="0"/>
+              <a:t>Singleton</a:t>
+            </a:r>
+            <a:endParaRPr lang="id-ID" sz="2400" b="1" dirty="0"/>
+          </a:p>
+        </p:txBody>
+      </p:sp>
+      <p:cxnSp>
+        <p:nvCxnSpPr>
+          <p:cNvPr id="6" name="Straight Connector 5"/>
+          <p:cNvCxnSpPr/>
+          <p:nvPr/>
+        </p:nvCxnSpPr>
+        <p:spPr>
+          <a:xfrm>
+            <a:off x="4455684" y="3090591"/>
+            <a:ext cx="3274167" cy="0"/>
+          </a:xfrm>
+          <a:prstGeom prst="line">
+            <a:avLst/>
+          </a:prstGeom>
+        </p:spPr>
+        <p:style>
+          <a:lnRef idx="1">
+            <a:schemeClr val="dk1"/>
+          </a:lnRef>
+          <a:fillRef idx="0">
+            <a:schemeClr val="dk1"/>
+          </a:fillRef>
+          <a:effectRef idx="0">
+            <a:schemeClr val="dk1"/>
+          </a:effectRef>
+          <a:fontRef idx="minor">
+            <a:schemeClr val="tx1"/>
+          </a:fontRef>
+        </p:style>
+      </p:cxnSp>
+      <p:cxnSp>
+        <p:nvCxnSpPr>
+          <p:cNvPr id="7" name="Straight Connector 6"/>
+          <p:cNvCxnSpPr/>
+          <p:nvPr/>
+        </p:nvCxnSpPr>
+        <p:spPr>
+          <a:xfrm>
+            <a:off x="4455686" y="3598041"/>
+            <a:ext cx="3274167" cy="0"/>
+          </a:xfrm>
+          <a:prstGeom prst="line">
+            <a:avLst/>
+          </a:prstGeom>
+        </p:spPr>
+        <p:style>
+          <a:lnRef idx="1">
+            <a:schemeClr val="dk1"/>
+          </a:lnRef>
+          <a:fillRef idx="0">
+            <a:schemeClr val="dk1"/>
+          </a:fillRef>
+          <a:effectRef idx="0">
+            <a:schemeClr val="dk1"/>
+          </a:effectRef>
+          <a:fontRef idx="minor">
+            <a:schemeClr val="tx1"/>
+          </a:fontRef>
+        </p:style>
+      </p:cxnSp>
+      <p:sp>
+        <p:nvSpPr>
+          <p:cNvPr id="8" name="TextBox 7"/>
+          <p:cNvSpPr txBox="1"/>
+          <p:nvPr/>
+        </p:nvSpPr>
+        <p:spPr>
+          <a:xfrm>
+            <a:off x="4592198" y="3170403"/>
+            <a:ext cx="2226379" cy="369332"/>
+          </a:xfrm>
+          <a:prstGeom prst="rect">
+            <a:avLst/>
+          </a:prstGeom>
+          <a:noFill/>
+        </p:spPr>
+        <p:txBody>
+          <a:bodyPr wrap="none" rtlCol="0">
+            <a:spAutoFit/>
+          </a:bodyPr>
+          <a:lstStyle/>
+          <a:p>
+            <a:r>
+              <a:rPr lang="id-ID" dirty="0" smtClean="0"/>
+              <a:t>- Singleton : Singleton</a:t>
+            </a:r>
+            <a:endParaRPr lang="id-ID" dirty="0"/>
+          </a:p>
+        </p:txBody>
+      </p:sp>
+      <p:sp>
+        <p:nvSpPr>
+          <p:cNvPr id="9" name="TextBox 8"/>
+          <p:cNvSpPr txBox="1"/>
+          <p:nvPr/>
+        </p:nvSpPr>
+        <p:spPr>
+          <a:xfrm>
+            <a:off x="4592198" y="3691299"/>
+            <a:ext cx="2626873" cy="646331"/>
+          </a:xfrm>
+          <a:prstGeom prst="rect">
+            <a:avLst/>
+          </a:prstGeom>
+          <a:noFill/>
+        </p:spPr>
+        <p:txBody>
+          <a:bodyPr wrap="none" rtlCol="0">
+            <a:spAutoFit/>
+          </a:bodyPr>
+          <a:lstStyle/>
+          <a:p>
+            <a:r>
+              <a:rPr lang="id-ID" dirty="0" smtClean="0"/>
+              <a:t>- Singleton()</a:t>
+            </a:r>
+          </a:p>
+          <a:p>
+            <a:r>
+              <a:rPr lang="id-ID" dirty="0" smtClean="0"/>
+              <a:t>+ getInstance() : SIngleton</a:t>
+            </a:r>
+            <a:endParaRPr lang="id-ID" dirty="0"/>
+          </a:p>
+        </p:txBody>
+      </p:sp>
+    </p:spTree>
+    <p:extLst>
+      <p:ext uri="{BB962C8B-B14F-4D97-AF65-F5344CB8AC3E}">
+        <p14:creationId xmlns:p14="http://schemas.microsoft.com/office/powerpoint/2010/main" val="2538823773"/>
+      </p:ext>
+    </p:extLst>
+  </p:cSld>
+  <p:clrMapOvr>
+    <a:masterClrMapping/>
+  </p:clrMapOvr>
+</p:sld>
+</file>
+
+<file path=ppt/slides/slide5.xml><?xml version="1.0" encoding="utf-8"?>
+<p:sld xmlns:a="http://schemas.openxmlformats.org/drawingml/2006/main" xmlns:r="http://schemas.openxmlformats.org/officeDocument/2006/relationships" xmlns:p="http://schemas.openxmlformats.org/presentationml/2006/main">
+  <p:cSld>
+    <p:spTree>
+      <p:nvGrpSpPr>
+        <p:cNvPr id="1" name=""/>
+        <p:cNvGrpSpPr/>
+        <p:nvPr/>
+      </p:nvGrpSpPr>
+      <p:grpSpPr>
+        <a:xfrm>
+          <a:off x="0" y="0"/>
+          <a:ext cx="0" cy="0"/>
+          <a:chOff x="0" y="0"/>
+          <a:chExt cx="0" cy="0"/>
+        </a:xfrm>
+      </p:grpSpPr>
+      <p:sp>
+        <p:nvSpPr>
           <p:cNvPr id="2" name="Title 1"/>
           <p:cNvSpPr>
             <a:spLocks noGrp="1"/>
@@ -4540,7 +4780,7 @@
 </p:sld>
 </file>
 
-<file path=ppt/slides/slide5.xml><?xml version="1.0" encoding="utf-8"?>
+<file path=ppt/slides/slide6.xml><?xml version="1.0" encoding="utf-8"?>
 <p:sld xmlns:a="http://schemas.openxmlformats.org/drawingml/2006/main" xmlns:r="http://schemas.openxmlformats.org/officeDocument/2006/relationships" xmlns:p="http://schemas.openxmlformats.org/presentationml/2006/main">
   <p:cSld>
     <p:spTree>
@@ -5709,7 +5949,7 @@
 </p:sld>
 </file>
 
-<file path=ppt/slides/slide6.xml><?xml version="1.0" encoding="utf-8"?>
+<file path=ppt/slides/slide7.xml><?xml version="1.0" encoding="utf-8"?>
 <p:sld xmlns:a="http://schemas.openxmlformats.org/drawingml/2006/main" xmlns:r="http://schemas.openxmlformats.org/officeDocument/2006/relationships" xmlns:p="http://schemas.openxmlformats.org/presentationml/2006/main">
   <p:cSld>
     <p:spTree>
